--- a/IRIS1_MCU_V1.6/軸向說明.pptx
+++ b/IRIS1_MCU_V1.6/軸向說明.pptx
@@ -263,7 +263,7 @@
           <a:p>
             <a:fld id="{C6DC6E88-8268-41DF-AB70-3C6FB3488E03}" type="datetimeFigureOut">
               <a:rPr lang="zh-TW" altLang="en-US" smtClean="0"/>
-              <a:t>2025/9/15</a:t>
+              <a:t>2025/10/9</a:t>
             </a:fld>
             <a:endParaRPr lang="zh-TW" altLang="en-US"/>
           </a:p>
@@ -461,7 +461,7 @@
           <a:p>
             <a:fld id="{C6DC6E88-8268-41DF-AB70-3C6FB3488E03}" type="datetimeFigureOut">
               <a:rPr lang="zh-TW" altLang="en-US" smtClean="0"/>
-              <a:t>2025/9/15</a:t>
+              <a:t>2025/10/9</a:t>
             </a:fld>
             <a:endParaRPr lang="zh-TW" altLang="en-US"/>
           </a:p>
@@ -669,7 +669,7 @@
           <a:p>
             <a:fld id="{C6DC6E88-8268-41DF-AB70-3C6FB3488E03}" type="datetimeFigureOut">
               <a:rPr lang="zh-TW" altLang="en-US" smtClean="0"/>
-              <a:t>2025/9/15</a:t>
+              <a:t>2025/10/9</a:t>
             </a:fld>
             <a:endParaRPr lang="zh-TW" altLang="en-US"/>
           </a:p>
@@ -867,7 +867,7 @@
           <a:p>
             <a:fld id="{C6DC6E88-8268-41DF-AB70-3C6FB3488E03}" type="datetimeFigureOut">
               <a:rPr lang="zh-TW" altLang="en-US" smtClean="0"/>
-              <a:t>2025/9/15</a:t>
+              <a:t>2025/10/9</a:t>
             </a:fld>
             <a:endParaRPr lang="zh-TW" altLang="en-US"/>
           </a:p>
@@ -1142,7 +1142,7 @@
           <a:p>
             <a:fld id="{C6DC6E88-8268-41DF-AB70-3C6FB3488E03}" type="datetimeFigureOut">
               <a:rPr lang="zh-TW" altLang="en-US" smtClean="0"/>
-              <a:t>2025/9/15</a:t>
+              <a:t>2025/10/9</a:t>
             </a:fld>
             <a:endParaRPr lang="zh-TW" altLang="en-US"/>
           </a:p>
@@ -1407,7 +1407,7 @@
           <a:p>
             <a:fld id="{C6DC6E88-8268-41DF-AB70-3C6FB3488E03}" type="datetimeFigureOut">
               <a:rPr lang="zh-TW" altLang="en-US" smtClean="0"/>
-              <a:t>2025/9/15</a:t>
+              <a:t>2025/10/9</a:t>
             </a:fld>
             <a:endParaRPr lang="zh-TW" altLang="en-US"/>
           </a:p>
@@ -1819,7 +1819,7 @@
           <a:p>
             <a:fld id="{C6DC6E88-8268-41DF-AB70-3C6FB3488E03}" type="datetimeFigureOut">
               <a:rPr lang="zh-TW" altLang="en-US" smtClean="0"/>
-              <a:t>2025/9/15</a:t>
+              <a:t>2025/10/9</a:t>
             </a:fld>
             <a:endParaRPr lang="zh-TW" altLang="en-US"/>
           </a:p>
@@ -1960,7 +1960,7 @@
           <a:p>
             <a:fld id="{C6DC6E88-8268-41DF-AB70-3C6FB3488E03}" type="datetimeFigureOut">
               <a:rPr lang="zh-TW" altLang="en-US" smtClean="0"/>
-              <a:t>2025/9/15</a:t>
+              <a:t>2025/10/9</a:t>
             </a:fld>
             <a:endParaRPr lang="zh-TW" altLang="en-US"/>
           </a:p>
@@ -2073,7 +2073,7 @@
           <a:p>
             <a:fld id="{C6DC6E88-8268-41DF-AB70-3C6FB3488E03}" type="datetimeFigureOut">
               <a:rPr lang="zh-TW" altLang="en-US" smtClean="0"/>
-              <a:t>2025/9/15</a:t>
+              <a:t>2025/10/9</a:t>
             </a:fld>
             <a:endParaRPr lang="zh-TW" altLang="en-US"/>
           </a:p>
@@ -2384,7 +2384,7 @@
           <a:p>
             <a:fld id="{C6DC6E88-8268-41DF-AB70-3C6FB3488E03}" type="datetimeFigureOut">
               <a:rPr lang="zh-TW" altLang="en-US" smtClean="0"/>
-              <a:t>2025/9/15</a:t>
+              <a:t>2025/10/9</a:t>
             </a:fld>
             <a:endParaRPr lang="zh-TW" altLang="en-US"/>
           </a:p>
@@ -2672,7 +2672,7 @@
           <a:p>
             <a:fld id="{C6DC6E88-8268-41DF-AB70-3C6FB3488E03}" type="datetimeFigureOut">
               <a:rPr lang="zh-TW" altLang="en-US" smtClean="0"/>
-              <a:t>2025/9/15</a:t>
+              <a:t>2025/10/9</a:t>
             </a:fld>
             <a:endParaRPr lang="zh-TW" altLang="en-US"/>
           </a:p>
@@ -2913,7 +2913,7 @@
           <a:p>
             <a:fld id="{C6DC6E88-8268-41DF-AB70-3C6FB3488E03}" type="datetimeFigureOut">
               <a:rPr lang="zh-TW" altLang="en-US" smtClean="0"/>
-              <a:t>2025/9/15</a:t>
+              <a:t>2025/10/9</a:t>
             </a:fld>
             <a:endParaRPr lang="zh-TW" altLang="en-US"/>
           </a:p>
@@ -4084,7 +4084,7 @@
         </p:nvSpPr>
         <p:spPr>
           <a:xfrm>
-            <a:off x="735496" y="3766931"/>
+            <a:off x="800810" y="4056180"/>
             <a:ext cx="11151704" cy="2585323"/>
           </a:xfrm>
           <a:prstGeom prst="rect">
